--- a/virusbeacon_web.pptx
+++ b/virusbeacon_web.pptx
@@ -9,8 +9,6 @@
     <p:sldId id="257" r:id="rId3"/>
     <p:sldId id="258" r:id="rId4"/>
     <p:sldId id="259" r:id="rId5"/>
-    <p:sldId id="262" r:id="rId6"/>
-    <p:sldId id="263" r:id="rId7"/>
   </p:sldIdLst>
   <p:sldSz cx="12192000" cy="6858000"/>
   <p:notesSz cx="6858000" cy="9144000"/>
@@ -109,6 +107,11 @@
       </a:defRPr>
     </a:lvl9pPr>
   </p:defaultTextStyle>
+  <p:extLst>
+    <p:ext uri="{EFAFB233-063F-42B5-8137-9DF3F51BA10A}">
+      <p15:sldGuideLst xmlns:p15="http://schemas.microsoft.com/office/powerpoint/2012/main"/>
+    </p:ext>
+  </p:extLst>
 </p:presentation>
 </file>
 
@@ -3326,12 +3329,47 @@
           <a:chExt cx="0" cy="0"/>
         </a:xfrm>
       </p:grpSpPr>
+      <p:sp>
+        <p:nvSpPr>
+          <p:cNvPr id="6" name="TextBox 5">
+            <a:extLst>
+              <a:ext uri="{FF2B5EF4-FFF2-40B4-BE49-F238E27FC236}">
+                <a16:creationId xmlns:a16="http://schemas.microsoft.com/office/drawing/2014/main" id="{60134815-DA05-0243-B353-D3E1EEB41956}"/>
+              </a:ext>
+            </a:extLst>
+          </p:cNvPr>
+          <p:cNvSpPr txBox="1"/>
+          <p:nvPr/>
+        </p:nvSpPr>
+        <p:spPr>
+          <a:xfrm>
+            <a:off x="731520" y="457200"/>
+            <a:ext cx="4681728" cy="369332"/>
+          </a:xfrm>
+          <a:prstGeom prst="rect">
+            <a:avLst/>
+          </a:prstGeom>
+          <a:noFill/>
+        </p:spPr>
+        <p:txBody>
+          <a:bodyPr wrap="square" rtlCol="0">
+            <a:spAutoFit/>
+          </a:bodyPr>
+          <a:lstStyle/>
+          <a:p>
+            <a:r>
+              <a:rPr lang="en-US" dirty="0"/>
+              <a:t>VIRUS BEACON WEB 1</a:t>
+            </a:r>
+          </a:p>
+        </p:txBody>
+      </p:sp>
       <p:pic>
         <p:nvPicPr>
-          <p:cNvPr id="5" name="Picture 4">
-            <a:extLst>
-              <a:ext uri="{FF2B5EF4-FFF2-40B4-BE49-F238E27FC236}">
-                <a16:creationId xmlns:a16="http://schemas.microsoft.com/office/drawing/2014/main" id="{BB254F76-BE6A-3247-96DA-659B8FAA7A84}"/>
+          <p:cNvPr id="3" name="Picture 2">
+            <a:extLst>
+              <a:ext uri="{FF2B5EF4-FFF2-40B4-BE49-F238E27FC236}">
+                <a16:creationId xmlns:a16="http://schemas.microsoft.com/office/drawing/2014/main" id="{1D633D38-31C8-2748-9904-28DE6E25ED7B}"/>
               </a:ext>
             </a:extLst>
           </p:cNvPr>
@@ -3348,49 +3386,14 @@
         </p:blipFill>
         <p:spPr>
           <a:xfrm>
-            <a:off x="1646029" y="1591056"/>
-            <a:ext cx="8625985" cy="3767328"/>
+            <a:off x="1223434" y="1340882"/>
+            <a:ext cx="9818710" cy="4331784"/>
           </a:xfrm>
           <a:prstGeom prst="rect">
             <a:avLst/>
           </a:prstGeom>
         </p:spPr>
       </p:pic>
-      <p:sp>
-        <p:nvSpPr>
-          <p:cNvPr id="6" name="TextBox 5">
-            <a:extLst>
-              <a:ext uri="{FF2B5EF4-FFF2-40B4-BE49-F238E27FC236}">
-                <a16:creationId xmlns:a16="http://schemas.microsoft.com/office/drawing/2014/main" id="{60134815-DA05-0243-B353-D3E1EEB41956}"/>
-              </a:ext>
-            </a:extLst>
-          </p:cNvPr>
-          <p:cNvSpPr txBox="1"/>
-          <p:nvPr/>
-        </p:nvSpPr>
-        <p:spPr>
-          <a:xfrm>
-            <a:off x="731520" y="457200"/>
-            <a:ext cx="4681728" cy="369332"/>
-          </a:xfrm>
-          <a:prstGeom prst="rect">
-            <a:avLst/>
-          </a:prstGeom>
-          <a:noFill/>
-        </p:spPr>
-        <p:txBody>
-          <a:bodyPr wrap="square" rtlCol="0">
-            <a:spAutoFit/>
-          </a:bodyPr>
-          <a:lstStyle/>
-          <a:p>
-            <a:r>
-              <a:rPr lang="en-US" dirty="0"/>
-              <a:t>VIRUS BEACON WEB 1</a:t>
-            </a:r>
-          </a:p>
-        </p:txBody>
-      </p:sp>
     </p:spTree>
     <p:extLst>
       <p:ext uri="{BB962C8B-B14F-4D97-AF65-F5344CB8AC3E}">
@@ -3458,10 +3461,10 @@
       </p:sp>
       <p:pic>
         <p:nvPicPr>
-          <p:cNvPr id="4" name="Picture 3">
-            <a:extLst>
-              <a:ext uri="{FF2B5EF4-FFF2-40B4-BE49-F238E27FC236}">
-                <a16:creationId xmlns:a16="http://schemas.microsoft.com/office/drawing/2014/main" id="{C39501B2-01DA-2C46-AD06-4B87CFBB9498}"/>
+          <p:cNvPr id="2" name="Picture 1">
+            <a:extLst>
+              <a:ext uri="{FF2B5EF4-FFF2-40B4-BE49-F238E27FC236}">
+                <a16:creationId xmlns:a16="http://schemas.microsoft.com/office/drawing/2014/main" id="{FA6F8714-D658-AD4D-A19F-21DFC4844C16}"/>
               </a:ext>
             </a:extLst>
           </p:cNvPr>
@@ -3478,8 +3481,8 @@
         </p:blipFill>
         <p:spPr>
           <a:xfrm>
-            <a:off x="3436101" y="1336114"/>
-            <a:ext cx="5499100" cy="4508500"/>
+            <a:off x="2017487" y="1015216"/>
+            <a:ext cx="7080250" cy="5351178"/>
           </a:xfrm>
           <a:prstGeom prst="rect">
             <a:avLst/>
@@ -3553,10 +3556,10 @@
       </p:sp>
       <p:pic>
         <p:nvPicPr>
-          <p:cNvPr id="3" name="Picture 2">
-            <a:extLst>
-              <a:ext uri="{FF2B5EF4-FFF2-40B4-BE49-F238E27FC236}">
-                <a16:creationId xmlns:a16="http://schemas.microsoft.com/office/drawing/2014/main" id="{FC821858-519B-9D45-8466-083E4251F618}"/>
+          <p:cNvPr id="4" name="Picture 3">
+            <a:extLst>
+              <a:ext uri="{FF2B5EF4-FFF2-40B4-BE49-F238E27FC236}">
+                <a16:creationId xmlns:a16="http://schemas.microsoft.com/office/drawing/2014/main" id="{196D8BB0-F903-4647-89EA-F83E1BD016C3}"/>
               </a:ext>
             </a:extLst>
           </p:cNvPr>
@@ -3573,8 +3576,8 @@
         </p:blipFill>
         <p:spPr>
           <a:xfrm>
-            <a:off x="3432734" y="1361137"/>
-            <a:ext cx="5613400" cy="4673600"/>
+            <a:off x="2006926" y="957161"/>
+            <a:ext cx="7122559" cy="5659224"/>
           </a:xfrm>
           <a:prstGeom prst="rect">
             <a:avLst/>
@@ -3648,10 +3651,10 @@
       </p:sp>
       <p:pic>
         <p:nvPicPr>
-          <p:cNvPr id="2" name="Picture 1">
-            <a:extLst>
-              <a:ext uri="{FF2B5EF4-FFF2-40B4-BE49-F238E27FC236}">
-                <a16:creationId xmlns:a16="http://schemas.microsoft.com/office/drawing/2014/main" id="{7D686F4A-6E2E-A84B-B921-C8E6238C971C}"/>
+          <p:cNvPr id="3" name="Picture 2">
+            <a:extLst>
+              <a:ext uri="{FF2B5EF4-FFF2-40B4-BE49-F238E27FC236}">
+                <a16:creationId xmlns:a16="http://schemas.microsoft.com/office/drawing/2014/main" id="{E0027B40-EE82-664E-90D3-0D731BABE37C}"/>
               </a:ext>
             </a:extLst>
           </p:cNvPr>
@@ -3668,8 +3671,8 @@
         </p:blipFill>
         <p:spPr>
           <a:xfrm>
-            <a:off x="3389406" y="1324163"/>
-            <a:ext cx="5664200" cy="4711700"/>
+            <a:off x="2007507" y="957161"/>
+            <a:ext cx="7165522" cy="5693360"/>
           </a:xfrm>
           <a:prstGeom prst="rect">
             <a:avLst/>
@@ -3680,196 +3683,6 @@
     <p:extLst>
       <p:ext uri="{BB962C8B-B14F-4D97-AF65-F5344CB8AC3E}">
         <p14:creationId xmlns:p14="http://schemas.microsoft.com/office/powerpoint/2010/main" val="2563885167"/>
-      </p:ext>
-    </p:extLst>
-  </p:cSld>
-  <p:clrMapOvr>
-    <a:masterClrMapping/>
-  </p:clrMapOvr>
-</p:sld>
-</file>
-
-<file path=ppt/slides/slide5.xml><?xml version="1.0" encoding="utf-8"?>
-<p:sld xmlns:a="http://schemas.openxmlformats.org/drawingml/2006/main" xmlns:r="http://schemas.openxmlformats.org/officeDocument/2006/relationships" xmlns:p="http://schemas.openxmlformats.org/presentationml/2006/main">
-  <p:cSld>
-    <p:spTree>
-      <p:nvGrpSpPr>
-        <p:cNvPr id="1" name=""/>
-        <p:cNvGrpSpPr/>
-        <p:nvPr/>
-      </p:nvGrpSpPr>
-      <p:grpSpPr>
-        <a:xfrm>
-          <a:off x="0" y="0"/>
-          <a:ext cx="0" cy="0"/>
-          <a:chOff x="0" y="0"/>
-          <a:chExt cx="0" cy="0"/>
-        </a:xfrm>
-      </p:grpSpPr>
-      <p:sp>
-        <p:nvSpPr>
-          <p:cNvPr id="5" name="TextBox 4">
-            <a:extLst>
-              <a:ext uri="{FF2B5EF4-FFF2-40B4-BE49-F238E27FC236}">
-                <a16:creationId xmlns:a16="http://schemas.microsoft.com/office/drawing/2014/main" id="{74AF3B7C-6A9A-C643-B118-FDAAE58D35F1}"/>
-              </a:ext>
-            </a:extLst>
-          </p:cNvPr>
-          <p:cNvSpPr txBox="1"/>
-          <p:nvPr/>
-        </p:nvSpPr>
-        <p:spPr>
-          <a:xfrm>
-            <a:off x="731519" y="457200"/>
-            <a:ext cx="8753139" cy="369332"/>
-          </a:xfrm>
-          <a:prstGeom prst="rect">
-            <a:avLst/>
-          </a:prstGeom>
-          <a:noFill/>
-        </p:spPr>
-        <p:txBody>
-          <a:bodyPr wrap="square" rtlCol="0">
-            <a:spAutoFit/>
-          </a:bodyPr>
-          <a:lstStyle/>
-          <a:p>
-            <a:r>
-              <a:rPr lang="en-US" dirty="0"/>
-              <a:t>VIRUS BEACON WEB 3: RESPONSE. QUERY BY VARIANT</a:t>
-            </a:r>
-          </a:p>
-        </p:txBody>
-      </p:sp>
-      <p:pic>
-        <p:nvPicPr>
-          <p:cNvPr id="6" name="Picture 5">
-            <a:extLst>
-              <a:ext uri="{FF2B5EF4-FFF2-40B4-BE49-F238E27FC236}">
-                <a16:creationId xmlns:a16="http://schemas.microsoft.com/office/drawing/2014/main" id="{48EE81E8-E8F6-A54E-8B60-9677B2DC4124}"/>
-              </a:ext>
-            </a:extLst>
-          </p:cNvPr>
-          <p:cNvPicPr>
-            <a:picLocks noChangeAspect="1"/>
-          </p:cNvPicPr>
-          <p:nvPr/>
-        </p:nvPicPr>
-        <p:blipFill>
-          <a:blip r:embed="rId2"/>
-          <a:stretch>
-            <a:fillRect/>
-          </a:stretch>
-        </p:blipFill>
-        <p:spPr>
-          <a:xfrm>
-            <a:off x="0" y="1580775"/>
-            <a:ext cx="12159154" cy="1843741"/>
-          </a:xfrm>
-          <a:prstGeom prst="rect">
-            <a:avLst/>
-          </a:prstGeom>
-        </p:spPr>
-      </p:pic>
-    </p:spTree>
-    <p:extLst>
-      <p:ext uri="{BB962C8B-B14F-4D97-AF65-F5344CB8AC3E}">
-        <p14:creationId xmlns:p14="http://schemas.microsoft.com/office/powerpoint/2010/main" val="3794864186"/>
-      </p:ext>
-    </p:extLst>
-  </p:cSld>
-  <p:clrMapOvr>
-    <a:masterClrMapping/>
-  </p:clrMapOvr>
-</p:sld>
-</file>
-
-<file path=ppt/slides/slide6.xml><?xml version="1.0" encoding="utf-8"?>
-<p:sld xmlns:a="http://schemas.openxmlformats.org/drawingml/2006/main" xmlns:r="http://schemas.openxmlformats.org/officeDocument/2006/relationships" xmlns:p="http://schemas.openxmlformats.org/presentationml/2006/main">
-  <p:cSld>
-    <p:spTree>
-      <p:nvGrpSpPr>
-        <p:cNvPr id="1" name=""/>
-        <p:cNvGrpSpPr/>
-        <p:nvPr/>
-      </p:nvGrpSpPr>
-      <p:grpSpPr>
-        <a:xfrm>
-          <a:off x="0" y="0"/>
-          <a:ext cx="0" cy="0"/>
-          <a:chOff x="0" y="0"/>
-          <a:chExt cx="0" cy="0"/>
-        </a:xfrm>
-      </p:grpSpPr>
-      <p:sp>
-        <p:nvSpPr>
-          <p:cNvPr id="5" name="TextBox 4">
-            <a:extLst>
-              <a:ext uri="{FF2B5EF4-FFF2-40B4-BE49-F238E27FC236}">
-                <a16:creationId xmlns:a16="http://schemas.microsoft.com/office/drawing/2014/main" id="{74AF3B7C-6A9A-C643-B118-FDAAE58D35F1}"/>
-              </a:ext>
-            </a:extLst>
-          </p:cNvPr>
-          <p:cNvSpPr txBox="1"/>
-          <p:nvPr/>
-        </p:nvSpPr>
-        <p:spPr>
-          <a:xfrm>
-            <a:off x="731519" y="457200"/>
-            <a:ext cx="8753139" cy="369332"/>
-          </a:xfrm>
-          <a:prstGeom prst="rect">
-            <a:avLst/>
-          </a:prstGeom>
-          <a:noFill/>
-        </p:spPr>
-        <p:txBody>
-          <a:bodyPr wrap="square" rtlCol="0">
-            <a:spAutoFit/>
-          </a:bodyPr>
-          <a:lstStyle/>
-          <a:p>
-            <a:r>
-              <a:rPr lang="en-US" dirty="0"/>
-              <a:t>VIRUS BEACON WEB 3: RESPONSE. QUERY BY REGION/DOMAIN</a:t>
-            </a:r>
-          </a:p>
-        </p:txBody>
-      </p:sp>
-      <p:pic>
-        <p:nvPicPr>
-          <p:cNvPr id="2" name="Picture 1">
-            <a:extLst>
-              <a:ext uri="{FF2B5EF4-FFF2-40B4-BE49-F238E27FC236}">
-                <a16:creationId xmlns:a16="http://schemas.microsoft.com/office/drawing/2014/main" id="{5A285267-BF82-F849-B4FD-CBC7744B645D}"/>
-              </a:ext>
-            </a:extLst>
-          </p:cNvPr>
-          <p:cNvPicPr>
-            <a:picLocks noChangeAspect="1"/>
-          </p:cNvPicPr>
-          <p:nvPr/>
-        </p:nvPicPr>
-        <p:blipFill>
-          <a:blip r:embed="rId2"/>
-          <a:stretch>
-            <a:fillRect/>
-          </a:stretch>
-        </p:blipFill>
-        <p:spPr>
-          <a:xfrm>
-            <a:off x="0" y="1595344"/>
-            <a:ext cx="12245790" cy="1990538"/>
-          </a:xfrm>
-          <a:prstGeom prst="rect">
-            <a:avLst/>
-          </a:prstGeom>
-        </p:spPr>
-      </p:pic>
-    </p:spTree>
-    <p:extLst>
-      <p:ext uri="{BB962C8B-B14F-4D97-AF65-F5344CB8AC3E}">
-        <p14:creationId xmlns:p14="http://schemas.microsoft.com/office/powerpoint/2010/main" val="510070167"/>
       </p:ext>
     </p:extLst>
   </p:cSld>
